--- a/Serie_8_SN_PPM_CIN/Somfy/Figures.pptx
+++ b/Serie_8_SN_PPM_CIN/Somfy/Figures.pptx
@@ -9,9 +9,10 @@
     <p:sldId id="257" r:id="rId3"/>
     <p:sldId id="258" r:id="rId4"/>
     <p:sldId id="259" r:id="rId5"/>
-    <p:sldId id="260" r:id="rId6"/>
-    <p:sldId id="261" r:id="rId7"/>
-    <p:sldId id="262" r:id="rId8"/>
+    <p:sldId id="263" r:id="rId6"/>
+    <p:sldId id="260" r:id="rId7"/>
+    <p:sldId id="261" r:id="rId8"/>
+    <p:sldId id="262" r:id="rId9"/>
   </p:sldIdLst>
   <p:sldSz cx="9144000" cy="6858000" type="screen4x3"/>
   <p:notesSz cx="6858000" cy="9144000"/>
@@ -294,7 +295,7 @@
           <a:p>
             <a:fld id="{AA309A6D-C09C-4548-B29A-6CF363A7E532}" type="datetimeFigureOut">
               <a:rPr lang="fr-FR" smtClean="0"/>
-              <a:t>21/03/2014</a:t>
+              <a:t>29/03/2014</a:t>
             </a:fld>
             <a:endParaRPr lang="fr-BE"/>
           </a:p>
@@ -459,7 +460,7 @@
           <a:p>
             <a:fld id="{AA309A6D-C09C-4548-B29A-6CF363A7E532}" type="datetimeFigureOut">
               <a:rPr lang="fr-FR" smtClean="0"/>
-              <a:t>21/03/2014</a:t>
+              <a:t>29/03/2014</a:t>
             </a:fld>
             <a:endParaRPr lang="fr-BE"/>
           </a:p>
@@ -634,7 +635,7 @@
           <a:p>
             <a:fld id="{AA309A6D-C09C-4548-B29A-6CF363A7E532}" type="datetimeFigureOut">
               <a:rPr lang="fr-FR" smtClean="0"/>
-              <a:t>21/03/2014</a:t>
+              <a:t>29/03/2014</a:t>
             </a:fld>
             <a:endParaRPr lang="fr-BE"/>
           </a:p>
@@ -799,7 +800,7 @@
           <a:p>
             <a:fld id="{AA309A6D-C09C-4548-B29A-6CF363A7E532}" type="datetimeFigureOut">
               <a:rPr lang="fr-FR" smtClean="0"/>
-              <a:t>21/03/2014</a:t>
+              <a:t>29/03/2014</a:t>
             </a:fld>
             <a:endParaRPr lang="fr-BE"/>
           </a:p>
@@ -1040,7 +1041,7 @@
           <a:p>
             <a:fld id="{AA309A6D-C09C-4548-B29A-6CF363A7E532}" type="datetimeFigureOut">
               <a:rPr lang="fr-FR" smtClean="0"/>
-              <a:t>21/03/2014</a:t>
+              <a:t>29/03/2014</a:t>
             </a:fld>
             <a:endParaRPr lang="fr-BE"/>
           </a:p>
@@ -1323,7 +1324,7 @@
           <a:p>
             <a:fld id="{AA309A6D-C09C-4548-B29A-6CF363A7E532}" type="datetimeFigureOut">
               <a:rPr lang="fr-FR" smtClean="0"/>
-              <a:t>21/03/2014</a:t>
+              <a:t>29/03/2014</a:t>
             </a:fld>
             <a:endParaRPr lang="fr-BE"/>
           </a:p>
@@ -1740,7 +1741,7 @@
           <a:p>
             <a:fld id="{AA309A6D-C09C-4548-B29A-6CF363A7E532}" type="datetimeFigureOut">
               <a:rPr lang="fr-FR" smtClean="0"/>
-              <a:t>21/03/2014</a:t>
+              <a:t>29/03/2014</a:t>
             </a:fld>
             <a:endParaRPr lang="fr-BE"/>
           </a:p>
@@ -1853,7 +1854,7 @@
           <a:p>
             <a:fld id="{AA309A6D-C09C-4548-B29A-6CF363A7E532}" type="datetimeFigureOut">
               <a:rPr lang="fr-FR" smtClean="0"/>
-              <a:t>21/03/2014</a:t>
+              <a:t>29/03/2014</a:t>
             </a:fld>
             <a:endParaRPr lang="fr-BE"/>
           </a:p>
@@ -1943,7 +1944,7 @@
           <a:p>
             <a:fld id="{AA309A6D-C09C-4548-B29A-6CF363A7E532}" type="datetimeFigureOut">
               <a:rPr lang="fr-FR" smtClean="0"/>
-              <a:t>21/03/2014</a:t>
+              <a:t>29/03/2014</a:t>
             </a:fld>
             <a:endParaRPr lang="fr-BE"/>
           </a:p>
@@ -2215,7 +2216,7 @@
           <a:p>
             <a:fld id="{AA309A6D-C09C-4548-B29A-6CF363A7E532}" type="datetimeFigureOut">
               <a:rPr lang="fr-FR" smtClean="0"/>
-              <a:t>21/03/2014</a:t>
+              <a:t>29/03/2014</a:t>
             </a:fld>
             <a:endParaRPr lang="fr-BE"/>
           </a:p>
@@ -2463,7 +2464,7 @@
           <a:p>
             <a:fld id="{AA309A6D-C09C-4548-B29A-6CF363A7E532}" type="datetimeFigureOut">
               <a:rPr lang="fr-FR" smtClean="0"/>
-              <a:t>21/03/2014</a:t>
+              <a:t>29/03/2014</a:t>
             </a:fld>
             <a:endParaRPr lang="fr-BE"/>
           </a:p>
@@ -2671,7 +2672,7 @@
           <a:p>
             <a:fld id="{AA309A6D-C09C-4548-B29A-6CF363A7E532}" type="datetimeFigureOut">
               <a:rPr lang="fr-FR" smtClean="0"/>
-              <a:t>21/03/2014</a:t>
+              <a:t>29/03/2014</a:t>
             </a:fld>
             <a:endParaRPr lang="fr-BE"/>
           </a:p>
@@ -5227,11 +5228,6 @@
               </a:rPr>
               <a:t>9</a:t>
             </a:r>
-            <a:endParaRPr lang="fr-FR" sz="1000" dirty="0">
-              <a:solidFill>
-                <a:sysClr val="windowText" lastClr="000000"/>
-              </a:solidFill>
-            </a:endParaRPr>
           </a:p>
         </p:txBody>
       </p:sp>
@@ -7378,438 +7374,202 @@
           <a:chExt cx="0" cy="0"/>
         </a:xfrm>
       </p:grpSpPr>
-      <p:sp>
-        <p:nvSpPr>
-          <p:cNvPr id="11" name="Rectangle 10"/>
-          <p:cNvSpPr/>
-          <p:nvPr/>
-        </p:nvSpPr>
-        <p:spPr>
-          <a:xfrm>
-            <a:off x="4231242" y="426593"/>
-            <a:ext cx="288032" cy="288032"/>
-          </a:xfrm>
-          <a:prstGeom prst="rect">
-            <a:avLst/>
-          </a:prstGeom>
-          <a:ln/>
+      <p:pic>
+        <p:nvPicPr>
+          <p:cNvPr id="1026" name="Picture 2" descr="C:\Users\Xavier\Pictures\20140321_091909.jpg"/>
+          <p:cNvPicPr>
+            <a:picLocks noChangeAspect="1" noChangeArrowheads="1"/>
+          </p:cNvPicPr>
+          <p:nvPr/>
+        </p:nvPicPr>
+        <p:blipFill rotWithShape="1">
+          <a:blip r:embed="rId2" cstate="print">
+            <a:extLst>
+              <a:ext uri="{28A0092B-C50C-407E-A947-70E740481C1C}">
+                <a14:useLocalDpi xmlns:a14="http://schemas.microsoft.com/office/drawing/2010/main" val="0"/>
+              </a:ext>
+            </a:extLst>
+          </a:blip>
+          <a:srcRect l="12122" t="24647" r="2424" b="20000"/>
+          <a:stretch/>
+        </p:blipFill>
+        <p:spPr bwMode="auto">
+          <a:xfrm rot="16200000">
+            <a:off x="2582506" y="2587144"/>
+            <a:ext cx="3906979" cy="1898072"/>
+          </a:xfrm>
+          <a:prstGeom prst="rect">
+            <a:avLst/>
+          </a:prstGeom>
+          <a:noFill/>
+          <a:extLst>
+            <a:ext uri="{909E8E84-426E-40DD-AFC4-6F175D3DCCD1}">
+              <a14:hiddenFill xmlns:a14="http://schemas.microsoft.com/office/drawing/2010/main">
+                <a:solidFill>
+                  <a:srgbClr val="FFFFFF"/>
+                </a:solidFill>
+              </a14:hiddenFill>
+            </a:ext>
+          </a:extLst>
+        </p:spPr>
+      </p:pic>
+      <p:cxnSp>
+        <p:nvCxnSpPr>
+          <p:cNvPr id="5" name="Connecteur droit avec flèche 4"/>
+          <p:cNvCxnSpPr/>
+          <p:nvPr/>
+        </p:nvCxnSpPr>
+        <p:spPr>
+          <a:xfrm flipH="1" flipV="1">
+            <a:off x="4739087" y="1798713"/>
+            <a:ext cx="1110564" cy="566"/>
+          </a:xfrm>
+          <a:prstGeom prst="straightConnector1">
+            <a:avLst/>
+          </a:prstGeom>
+          <a:ln>
+            <a:tailEnd type="arrow"/>
+          </a:ln>
         </p:spPr>
         <p:style>
           <a:lnRef idx="1">
-            <a:schemeClr val="accent3"/>
-          </a:lnRef>
-          <a:fillRef idx="2">
-            <a:schemeClr val="accent3"/>
-          </a:fillRef>
-          <a:effectRef idx="1">
-            <a:schemeClr val="accent3"/>
-          </a:effectRef>
-          <a:fontRef idx="minor">
-            <a:schemeClr val="dk1"/>
-          </a:fontRef>
-        </p:style>
-        <p:txBody>
-          <a:bodyPr lIns="36000" tIns="36000" rIns="36000" bIns="36000" rtlCol="0" anchor="ctr"/>
-          <a:lstStyle/>
-          <a:p>
-            <a:pPr algn="ctr"/>
-            <a:r>
-              <a:rPr lang="fr-FR" sz="1000" dirty="0" smtClean="0">
-                <a:solidFill>
-                  <a:sysClr val="windowText" lastClr="000000"/>
-                </a:solidFill>
-              </a:rPr>
-              <a:t>3</a:t>
-            </a:r>
-            <a:endParaRPr lang="fr-FR" sz="1000" dirty="0">
-              <a:solidFill>
-                <a:sysClr val="windowText" lastClr="000000"/>
-              </a:solidFill>
-            </a:endParaRPr>
-          </a:p>
-        </p:txBody>
-      </p:sp>
-      <p:sp>
-        <p:nvSpPr>
-          <p:cNvPr id="10" name="Rectangle 9"/>
-          <p:cNvSpPr/>
-          <p:nvPr/>
-        </p:nvSpPr>
-        <p:spPr>
-          <a:xfrm>
-            <a:off x="4231242" y="714625"/>
-            <a:ext cx="288032" cy="288032"/>
-          </a:xfrm>
-          <a:prstGeom prst="rect">
-            <a:avLst/>
-          </a:prstGeom>
-          <a:ln/>
+            <a:schemeClr val="accent1"/>
+          </a:lnRef>
+          <a:fillRef idx="0">
+            <a:schemeClr val="accent1"/>
+          </a:fillRef>
+          <a:effectRef idx="0">
+            <a:schemeClr val="accent1"/>
+          </a:effectRef>
+          <a:fontRef idx="minor">
+            <a:schemeClr val="tx1"/>
+          </a:fontRef>
+        </p:style>
+      </p:cxnSp>
+      <p:sp>
+        <p:nvSpPr>
+          <p:cNvPr id="6" name="ZoneTexte 5"/>
+          <p:cNvSpPr txBox="1"/>
+          <p:nvPr/>
+        </p:nvSpPr>
+        <p:spPr>
+          <a:xfrm>
+            <a:off x="5855211" y="1582690"/>
+            <a:ext cx="1800200" cy="461665"/>
+          </a:xfrm>
+          <a:prstGeom prst="rect">
+            <a:avLst/>
+          </a:prstGeom>
+          <a:noFill/>
+        </p:spPr>
+        <p:txBody>
+          <a:bodyPr wrap="square" rtlCol="0">
+            <a:spAutoFit/>
+          </a:bodyPr>
+          <a:lstStyle/>
+          <a:p>
+            <a:r>
+              <a:rPr lang="fr-FR" sz="1200" dirty="0" smtClean="0"/>
+              <a:t>Liaison vers PC via port parallèle</a:t>
+            </a:r>
+            <a:endParaRPr lang="fr-FR" sz="1200" dirty="0"/>
+          </a:p>
+        </p:txBody>
+      </p:sp>
+      <p:cxnSp>
+        <p:nvCxnSpPr>
+          <p:cNvPr id="10" name="Connecteur droit avec flèche 9"/>
+          <p:cNvCxnSpPr>
+            <a:stCxn id="11" idx="3"/>
+          </p:cNvCxnSpPr>
+          <p:nvPr/>
+        </p:nvCxnSpPr>
+        <p:spPr>
+          <a:xfrm flipV="1">
+            <a:off x="2574776" y="3078934"/>
+            <a:ext cx="1043875" cy="1"/>
+          </a:xfrm>
+          <a:prstGeom prst="straightConnector1">
+            <a:avLst/>
+          </a:prstGeom>
+          <a:ln>
+            <a:tailEnd type="arrow"/>
+          </a:ln>
         </p:spPr>
         <p:style>
           <a:lnRef idx="1">
-            <a:schemeClr val="accent3"/>
-          </a:lnRef>
-          <a:fillRef idx="2">
-            <a:schemeClr val="accent3"/>
-          </a:fillRef>
-          <a:effectRef idx="1">
-            <a:schemeClr val="accent3"/>
-          </a:effectRef>
-          <a:fontRef idx="minor">
-            <a:schemeClr val="dk1"/>
-          </a:fontRef>
-        </p:style>
-        <p:txBody>
-          <a:bodyPr lIns="36000" tIns="36000" rIns="36000" bIns="36000" rtlCol="0" anchor="ctr"/>
-          <a:lstStyle/>
-          <a:p>
-            <a:pPr algn="ctr"/>
-            <a:r>
-              <a:rPr lang="fr-FR" sz="1000" dirty="0">
-                <a:solidFill>
-                  <a:sysClr val="windowText" lastClr="000000"/>
-                </a:solidFill>
-              </a:rPr>
-              <a:t>4</a:t>
-            </a:r>
-          </a:p>
-        </p:txBody>
-      </p:sp>
-      <p:sp>
-        <p:nvSpPr>
-          <p:cNvPr id="9" name="Rectangle 8"/>
-          <p:cNvSpPr/>
-          <p:nvPr/>
-        </p:nvSpPr>
-        <p:spPr>
-          <a:xfrm>
-            <a:off x="4231242" y="1002657"/>
-            <a:ext cx="288032" cy="288032"/>
-          </a:xfrm>
-          <a:prstGeom prst="rect">
-            <a:avLst/>
-          </a:prstGeom>
-          <a:ln/>
-        </p:spPr>
-        <p:style>
-          <a:lnRef idx="1">
-            <a:schemeClr val="accent3"/>
-          </a:lnRef>
-          <a:fillRef idx="2">
-            <a:schemeClr val="accent3"/>
-          </a:fillRef>
-          <a:effectRef idx="1">
-            <a:schemeClr val="accent3"/>
-          </a:effectRef>
-          <a:fontRef idx="minor">
-            <a:schemeClr val="dk1"/>
-          </a:fontRef>
-        </p:style>
-        <p:txBody>
-          <a:bodyPr lIns="36000" tIns="36000" rIns="36000" bIns="36000" rtlCol="0" anchor="ctr"/>
-          <a:lstStyle/>
-          <a:p>
-            <a:pPr algn="ctr"/>
-            <a:r>
-              <a:rPr lang="fr-FR" sz="1000" dirty="0" smtClean="0">
-                <a:solidFill>
-                  <a:sysClr val="windowText" lastClr="000000"/>
-                </a:solidFill>
-              </a:rPr>
-              <a:t>5</a:t>
-            </a:r>
-            <a:endParaRPr lang="fr-FR" sz="1000" dirty="0">
-              <a:solidFill>
-                <a:sysClr val="windowText" lastClr="000000"/>
-              </a:solidFill>
-            </a:endParaRPr>
-          </a:p>
-        </p:txBody>
-      </p:sp>
-      <p:sp>
-        <p:nvSpPr>
-          <p:cNvPr id="8" name="Rectangle 7"/>
-          <p:cNvSpPr/>
-          <p:nvPr/>
-        </p:nvSpPr>
-        <p:spPr>
-          <a:xfrm>
-            <a:off x="4231242" y="1290689"/>
-            <a:ext cx="288032" cy="288032"/>
-          </a:xfrm>
-          <a:prstGeom prst="rect">
-            <a:avLst/>
-          </a:prstGeom>
-          <a:ln/>
-        </p:spPr>
-        <p:style>
-          <a:lnRef idx="1">
-            <a:schemeClr val="accent3"/>
-          </a:lnRef>
-          <a:fillRef idx="2">
-            <a:schemeClr val="accent3"/>
-          </a:fillRef>
-          <a:effectRef idx="1">
-            <a:schemeClr val="accent3"/>
-          </a:effectRef>
-          <a:fontRef idx="minor">
-            <a:schemeClr val="dk1"/>
-          </a:fontRef>
-        </p:style>
-        <p:txBody>
-          <a:bodyPr lIns="36000" tIns="36000" rIns="36000" bIns="36000" rtlCol="0" anchor="ctr"/>
-          <a:lstStyle/>
-          <a:p>
-            <a:pPr algn="ctr"/>
-            <a:r>
-              <a:rPr lang="fr-FR" sz="1000" dirty="0" smtClean="0">
-                <a:solidFill>
-                  <a:sysClr val="windowText" lastClr="000000"/>
-                </a:solidFill>
-              </a:rPr>
-              <a:t>6</a:t>
-            </a:r>
-            <a:endParaRPr lang="fr-FR" sz="1000" dirty="0">
-              <a:solidFill>
-                <a:sysClr val="windowText" lastClr="000000"/>
-              </a:solidFill>
-            </a:endParaRPr>
-          </a:p>
-        </p:txBody>
-      </p:sp>
-      <p:sp>
-        <p:nvSpPr>
-          <p:cNvPr id="7" name="Rectangle 6"/>
-          <p:cNvSpPr/>
-          <p:nvPr/>
-        </p:nvSpPr>
-        <p:spPr>
-          <a:xfrm>
-            <a:off x="4231242" y="1578721"/>
-            <a:ext cx="288032" cy="288032"/>
-          </a:xfrm>
-          <a:prstGeom prst="rect">
-            <a:avLst/>
-          </a:prstGeom>
-          <a:ln/>
-        </p:spPr>
-        <p:style>
-          <a:lnRef idx="1">
-            <a:schemeClr val="accent3"/>
-          </a:lnRef>
-          <a:fillRef idx="2">
-            <a:schemeClr val="accent3"/>
-          </a:fillRef>
-          <a:effectRef idx="1">
-            <a:schemeClr val="accent3"/>
-          </a:effectRef>
-          <a:fontRef idx="minor">
-            <a:schemeClr val="dk1"/>
-          </a:fontRef>
-        </p:style>
-        <p:txBody>
-          <a:bodyPr lIns="36000" tIns="36000" rIns="36000" bIns="36000" rtlCol="0" anchor="ctr"/>
-          <a:lstStyle/>
-          <a:p>
-            <a:pPr algn="ctr"/>
-            <a:r>
-              <a:rPr lang="fr-FR" sz="1000" dirty="0" smtClean="0">
-                <a:solidFill>
-                  <a:sysClr val="windowText" lastClr="000000"/>
-                </a:solidFill>
-              </a:rPr>
-              <a:t>7</a:t>
-            </a:r>
-            <a:endParaRPr lang="fr-FR" sz="1000" dirty="0">
-              <a:solidFill>
-                <a:sysClr val="windowText" lastClr="000000"/>
-              </a:solidFill>
-            </a:endParaRPr>
-          </a:p>
-        </p:txBody>
-      </p:sp>
-      <p:sp>
-        <p:nvSpPr>
-          <p:cNvPr id="6" name="Rectangle 5"/>
-          <p:cNvSpPr/>
-          <p:nvPr/>
-        </p:nvSpPr>
-        <p:spPr>
-          <a:xfrm>
-            <a:off x="4231242" y="1866753"/>
-            <a:ext cx="288032" cy="288032"/>
-          </a:xfrm>
-          <a:prstGeom prst="rect">
-            <a:avLst/>
-          </a:prstGeom>
-          <a:ln/>
-        </p:spPr>
-        <p:style>
-          <a:lnRef idx="1">
-            <a:schemeClr val="accent3"/>
-          </a:lnRef>
-          <a:fillRef idx="2">
-            <a:schemeClr val="accent3"/>
-          </a:fillRef>
-          <a:effectRef idx="1">
-            <a:schemeClr val="accent3"/>
-          </a:effectRef>
-          <a:fontRef idx="minor">
-            <a:schemeClr val="dk1"/>
-          </a:fontRef>
-        </p:style>
-        <p:txBody>
-          <a:bodyPr lIns="36000" tIns="36000" rIns="36000" bIns="36000" rtlCol="0" anchor="ctr"/>
-          <a:lstStyle/>
-          <a:p>
-            <a:pPr algn="ctr"/>
-            <a:r>
-              <a:rPr lang="fr-FR" sz="1000" dirty="0" smtClean="0">
-                <a:solidFill>
-                  <a:sysClr val="windowText" lastClr="000000"/>
-                </a:solidFill>
-              </a:rPr>
-              <a:t>8</a:t>
-            </a:r>
-            <a:endParaRPr lang="fr-FR" sz="1000" dirty="0">
-              <a:solidFill>
-                <a:sysClr val="windowText" lastClr="000000"/>
-              </a:solidFill>
-            </a:endParaRPr>
-          </a:p>
-        </p:txBody>
-      </p:sp>
-      <p:sp>
-        <p:nvSpPr>
-          <p:cNvPr id="5" name="Rectangle 4"/>
-          <p:cNvSpPr/>
-          <p:nvPr/>
-        </p:nvSpPr>
-        <p:spPr>
-          <a:xfrm>
-            <a:off x="4231242" y="2154785"/>
-            <a:ext cx="288032" cy="288032"/>
-          </a:xfrm>
-          <a:prstGeom prst="rect">
-            <a:avLst/>
-          </a:prstGeom>
-          <a:ln/>
-        </p:spPr>
-        <p:style>
-          <a:lnRef idx="1">
-            <a:schemeClr val="accent3"/>
-          </a:lnRef>
-          <a:fillRef idx="2">
-            <a:schemeClr val="accent3"/>
-          </a:fillRef>
-          <a:effectRef idx="1">
-            <a:schemeClr val="accent3"/>
-          </a:effectRef>
-          <a:fontRef idx="minor">
-            <a:schemeClr val="dk1"/>
-          </a:fontRef>
-        </p:style>
-        <p:txBody>
-          <a:bodyPr lIns="36000" tIns="36000" rIns="36000" bIns="36000" rtlCol="0" anchor="ctr"/>
-          <a:lstStyle/>
-          <a:p>
-            <a:pPr algn="ctr"/>
-            <a:r>
-              <a:rPr lang="fr-FR" sz="1000" dirty="0" smtClean="0">
-                <a:solidFill>
-                  <a:sysClr val="windowText" lastClr="000000"/>
-                </a:solidFill>
-              </a:rPr>
-              <a:t>9</a:t>
-            </a:r>
-            <a:endParaRPr lang="fr-FR" sz="1000" dirty="0">
-              <a:solidFill>
-                <a:sysClr val="windowText" lastClr="000000"/>
-              </a:solidFill>
-            </a:endParaRPr>
-          </a:p>
-        </p:txBody>
-      </p:sp>
-      <p:sp>
-        <p:nvSpPr>
-          <p:cNvPr id="4" name="Rectangle 3"/>
-          <p:cNvSpPr/>
-          <p:nvPr/>
-        </p:nvSpPr>
-        <p:spPr>
-          <a:xfrm>
-            <a:off x="4231242" y="2444903"/>
-            <a:ext cx="288032" cy="288032"/>
-          </a:xfrm>
-          <a:prstGeom prst="rect">
-            <a:avLst/>
-          </a:prstGeom>
-          <a:ln/>
-        </p:spPr>
-        <p:style>
-          <a:lnRef idx="1">
-            <a:schemeClr val="accent3"/>
-          </a:lnRef>
-          <a:fillRef idx="2">
-            <a:schemeClr val="accent3"/>
-          </a:fillRef>
-          <a:effectRef idx="1">
-            <a:schemeClr val="accent3"/>
-          </a:effectRef>
-          <a:fontRef idx="minor">
-            <a:schemeClr val="dk1"/>
-          </a:fontRef>
-        </p:style>
-        <p:txBody>
-          <a:bodyPr lIns="36000" tIns="36000" rIns="36000" bIns="36000" rtlCol="0" anchor="ctr"/>
-          <a:lstStyle/>
-          <a:p>
-            <a:pPr algn="ctr"/>
-            <a:r>
-              <a:rPr lang="fr-FR" sz="1000" dirty="0" smtClean="0">
-                <a:solidFill>
-                  <a:sysClr val="windowText" lastClr="000000"/>
-                </a:solidFill>
-              </a:rPr>
-              <a:t>10</a:t>
-            </a:r>
-            <a:endParaRPr lang="fr-FR" sz="1000" dirty="0">
-              <a:solidFill>
-                <a:sysClr val="windowText" lastClr="000000"/>
-              </a:solidFill>
-            </a:endParaRPr>
+            <a:schemeClr val="accent1"/>
+          </a:lnRef>
+          <a:fillRef idx="0">
+            <a:schemeClr val="accent1"/>
+          </a:fillRef>
+          <a:effectRef idx="0">
+            <a:schemeClr val="accent1"/>
+          </a:effectRef>
+          <a:fontRef idx="minor">
+            <a:schemeClr val="tx1"/>
+          </a:fontRef>
+        </p:style>
+      </p:cxnSp>
+      <p:sp>
+        <p:nvSpPr>
+          <p:cNvPr id="11" name="ZoneTexte 10"/>
+          <p:cNvSpPr txBox="1"/>
+          <p:nvPr/>
+        </p:nvSpPr>
+        <p:spPr>
+          <a:xfrm>
+            <a:off x="774576" y="2940435"/>
+            <a:ext cx="1800200" cy="276999"/>
+          </a:xfrm>
+          <a:prstGeom prst="rect">
+            <a:avLst/>
+          </a:prstGeom>
+          <a:noFill/>
+        </p:spPr>
+        <p:txBody>
+          <a:bodyPr wrap="square" rtlCol="0">
+            <a:spAutoFit/>
+          </a:bodyPr>
+          <a:lstStyle/>
+          <a:p>
+            <a:r>
+              <a:rPr lang="fr-FR" sz="1200" dirty="0" smtClean="0"/>
+              <a:t>Alimentation stabilisée</a:t>
+            </a:r>
+            <a:endParaRPr lang="fr-FR" sz="1200" dirty="0"/>
           </a:p>
         </p:txBody>
       </p:sp>
       <p:cxnSp>
         <p:nvCxnSpPr>
           <p:cNvPr id="14" name="Connecteur droit avec flèche 13"/>
-          <p:cNvCxnSpPr/>
+          <p:cNvCxnSpPr>
+            <a:stCxn id="15" idx="3"/>
+          </p:cNvCxnSpPr>
           <p:nvPr/>
         </p:nvCxnSpPr>
         <p:spPr>
-          <a:xfrm>
-            <a:off x="3563888" y="562138"/>
-            <a:ext cx="678896" cy="0"/>
+          <a:xfrm flipV="1">
+            <a:off x="2574776" y="3535615"/>
+            <a:ext cx="1811644" cy="17462"/>
           </a:xfrm>
           <a:prstGeom prst="straightConnector1">
             <a:avLst/>
           </a:prstGeom>
           <a:ln>
-            <a:prstDash val="dash"/>
-            <a:headEnd w="med" len="lg"/>
-            <a:tailEnd type="stealth" w="sm" len="lg"/>
+            <a:tailEnd type="arrow"/>
           </a:ln>
         </p:spPr>
         <p:style>
-          <a:lnRef idx="2">
-            <a:schemeClr val="accent3"/>
+          <a:lnRef idx="1">
+            <a:schemeClr val="accent1"/>
           </a:lnRef>
           <a:fillRef idx="0">
-            <a:schemeClr val="accent3"/>
-          </a:fillRef>
-          <a:effectRef idx="1">
-            <a:schemeClr val="accent3"/>
+            <a:schemeClr val="accent1"/>
+          </a:fillRef>
+          <a:effectRef idx="0">
+            <a:schemeClr val="accent1"/>
           </a:effectRef>
           <a:fontRef idx="minor">
             <a:schemeClr val="tx1"/>
@@ -7818,661 +7578,38 @@
       </p:cxnSp>
       <p:sp>
         <p:nvSpPr>
-          <p:cNvPr id="16" name="Rectangle 15"/>
-          <p:cNvSpPr/>
-          <p:nvPr/>
-        </p:nvSpPr>
-        <p:spPr>
-          <a:xfrm>
-            <a:off x="3131840" y="454138"/>
-            <a:ext cx="432048" cy="216000"/>
-          </a:xfrm>
-          <a:prstGeom prst="rect">
-            <a:avLst/>
-          </a:prstGeom>
-          <a:ln/>
-        </p:spPr>
-        <p:style>
-          <a:lnRef idx="1">
-            <a:schemeClr val="accent2"/>
-          </a:lnRef>
-          <a:fillRef idx="2">
-            <a:schemeClr val="accent2"/>
-          </a:fillRef>
-          <a:effectRef idx="1">
-            <a:schemeClr val="accent2"/>
-          </a:effectRef>
-          <a:fontRef idx="minor">
-            <a:schemeClr val="dk1"/>
-          </a:fontRef>
-        </p:style>
-        <p:txBody>
-          <a:bodyPr lIns="36000" tIns="36000" rIns="36000" bIns="36000" rtlCol="0" anchor="ctr"/>
-          <a:lstStyle/>
-          <a:p>
-            <a:pPr algn="ctr"/>
-            <a:r>
-              <a:rPr lang="fr-FR" sz="1000" b="1" dirty="0" smtClean="0">
-                <a:solidFill>
-                  <a:sysClr val="windowText" lastClr="000000"/>
-                </a:solidFill>
-              </a:rPr>
-              <a:t>SW 1</a:t>
-            </a:r>
-            <a:endParaRPr lang="fr-FR" sz="1000" b="1" dirty="0">
-              <a:solidFill>
-                <a:sysClr val="windowText" lastClr="000000"/>
-              </a:solidFill>
-            </a:endParaRPr>
-          </a:p>
-        </p:txBody>
-      </p:sp>
-      <p:cxnSp>
-        <p:nvCxnSpPr>
-          <p:cNvPr id="17" name="Connecteur droit avec flèche 16"/>
-          <p:cNvCxnSpPr/>
-          <p:nvPr/>
-        </p:nvCxnSpPr>
-        <p:spPr>
-          <a:xfrm>
-            <a:off x="3563888" y="850170"/>
-            <a:ext cx="678896" cy="0"/>
-          </a:xfrm>
-          <a:prstGeom prst="straightConnector1">
-            <a:avLst/>
-          </a:prstGeom>
-          <a:ln>
-            <a:prstDash val="dash"/>
-            <a:headEnd w="med" len="lg"/>
-            <a:tailEnd type="stealth" w="sm" len="lg"/>
-          </a:ln>
-        </p:spPr>
-        <p:style>
-          <a:lnRef idx="2">
-            <a:schemeClr val="accent3"/>
-          </a:lnRef>
-          <a:fillRef idx="0">
-            <a:schemeClr val="accent3"/>
-          </a:fillRef>
-          <a:effectRef idx="1">
-            <a:schemeClr val="accent3"/>
-          </a:effectRef>
-          <a:fontRef idx="minor">
-            <a:schemeClr val="tx1"/>
-          </a:fontRef>
-        </p:style>
-      </p:cxnSp>
-      <p:sp>
-        <p:nvSpPr>
-          <p:cNvPr id="18" name="Rectangle 17"/>
-          <p:cNvSpPr/>
-          <p:nvPr/>
-        </p:nvSpPr>
-        <p:spPr>
-          <a:xfrm>
-            <a:off x="3131840" y="742170"/>
-            <a:ext cx="432048" cy="216000"/>
-          </a:xfrm>
-          <a:prstGeom prst="rect">
-            <a:avLst/>
-          </a:prstGeom>
-          <a:ln/>
-        </p:spPr>
-        <p:style>
-          <a:lnRef idx="1">
-            <a:schemeClr val="accent2"/>
-          </a:lnRef>
-          <a:fillRef idx="2">
-            <a:schemeClr val="accent2"/>
-          </a:fillRef>
-          <a:effectRef idx="1">
-            <a:schemeClr val="accent2"/>
-          </a:effectRef>
-          <a:fontRef idx="minor">
-            <a:schemeClr val="dk1"/>
-          </a:fontRef>
-        </p:style>
-        <p:txBody>
-          <a:bodyPr lIns="36000" tIns="36000" rIns="36000" bIns="36000" rtlCol="0" anchor="ctr"/>
-          <a:lstStyle/>
-          <a:p>
-            <a:pPr algn="ctr"/>
-            <a:r>
-              <a:rPr lang="fr-FR" sz="1000" b="1" dirty="0" smtClean="0">
-                <a:solidFill>
-                  <a:sysClr val="windowText" lastClr="000000"/>
-                </a:solidFill>
-              </a:rPr>
-              <a:t>SW 2</a:t>
-            </a:r>
-            <a:endParaRPr lang="fr-FR" sz="1000" b="1" dirty="0">
-              <a:solidFill>
-                <a:sysClr val="windowText" lastClr="000000"/>
-              </a:solidFill>
-            </a:endParaRPr>
-          </a:p>
-        </p:txBody>
-      </p:sp>
-      <p:cxnSp>
-        <p:nvCxnSpPr>
-          <p:cNvPr id="19" name="Connecteur droit avec flèche 18"/>
-          <p:cNvCxnSpPr/>
-          <p:nvPr/>
-        </p:nvCxnSpPr>
-        <p:spPr>
-          <a:xfrm>
-            <a:off x="3561165" y="1138202"/>
-            <a:ext cx="678896" cy="0"/>
-          </a:xfrm>
-          <a:prstGeom prst="straightConnector1">
-            <a:avLst/>
-          </a:prstGeom>
-          <a:ln>
-            <a:prstDash val="dash"/>
-            <a:headEnd w="med" len="lg"/>
-            <a:tailEnd type="stealth" w="sm" len="lg"/>
-          </a:ln>
-        </p:spPr>
-        <p:style>
-          <a:lnRef idx="2">
-            <a:schemeClr val="accent3"/>
-          </a:lnRef>
-          <a:fillRef idx="0">
-            <a:schemeClr val="accent3"/>
-          </a:fillRef>
-          <a:effectRef idx="1">
-            <a:schemeClr val="accent3"/>
-          </a:effectRef>
-          <a:fontRef idx="minor">
-            <a:schemeClr val="tx1"/>
-          </a:fontRef>
-        </p:style>
-      </p:cxnSp>
-      <p:sp>
-        <p:nvSpPr>
-          <p:cNvPr id="20" name="Rectangle 19"/>
-          <p:cNvSpPr/>
-          <p:nvPr/>
-        </p:nvSpPr>
-        <p:spPr>
-          <a:xfrm>
-            <a:off x="3129117" y="1030202"/>
-            <a:ext cx="432048" cy="216000"/>
-          </a:xfrm>
-          <a:prstGeom prst="rect">
-            <a:avLst/>
-          </a:prstGeom>
-          <a:ln/>
-        </p:spPr>
-        <p:style>
-          <a:lnRef idx="1">
-            <a:schemeClr val="accent2"/>
-          </a:lnRef>
-          <a:fillRef idx="2">
-            <a:schemeClr val="accent2"/>
-          </a:fillRef>
-          <a:effectRef idx="1">
-            <a:schemeClr val="accent2"/>
-          </a:effectRef>
-          <a:fontRef idx="minor">
-            <a:schemeClr val="dk1"/>
-          </a:fontRef>
-        </p:style>
-        <p:txBody>
-          <a:bodyPr lIns="36000" tIns="36000" rIns="36000" bIns="36000" rtlCol="0" anchor="ctr"/>
-          <a:lstStyle/>
-          <a:p>
-            <a:pPr algn="ctr"/>
-            <a:r>
-              <a:rPr lang="fr-FR" sz="1000" b="1" dirty="0" smtClean="0">
-                <a:solidFill>
-                  <a:sysClr val="windowText" lastClr="000000"/>
-                </a:solidFill>
-              </a:rPr>
-              <a:t>SW 3</a:t>
-            </a:r>
-            <a:endParaRPr lang="fr-FR" sz="1000" b="1" dirty="0">
-              <a:solidFill>
-                <a:sysClr val="windowText" lastClr="000000"/>
-              </a:solidFill>
-            </a:endParaRPr>
-          </a:p>
-        </p:txBody>
-      </p:sp>
-      <p:cxnSp>
-        <p:nvCxnSpPr>
-          <p:cNvPr id="21" name="Connecteur droit avec flèche 20"/>
-          <p:cNvCxnSpPr/>
-          <p:nvPr/>
-        </p:nvCxnSpPr>
-        <p:spPr>
-          <a:xfrm>
-            <a:off x="3552346" y="1426234"/>
-            <a:ext cx="678896" cy="0"/>
-          </a:xfrm>
-          <a:prstGeom prst="straightConnector1">
-            <a:avLst/>
-          </a:prstGeom>
-          <a:ln>
-            <a:prstDash val="dash"/>
-            <a:headEnd w="med" len="lg"/>
-            <a:tailEnd type="stealth" w="sm" len="lg"/>
-          </a:ln>
-        </p:spPr>
-        <p:style>
-          <a:lnRef idx="2">
-            <a:schemeClr val="accent3"/>
-          </a:lnRef>
-          <a:fillRef idx="0">
-            <a:schemeClr val="accent3"/>
-          </a:fillRef>
-          <a:effectRef idx="1">
-            <a:schemeClr val="accent3"/>
-          </a:effectRef>
-          <a:fontRef idx="minor">
-            <a:schemeClr val="tx1"/>
-          </a:fontRef>
-        </p:style>
-      </p:cxnSp>
-      <p:sp>
-        <p:nvSpPr>
-          <p:cNvPr id="22" name="Rectangle 21"/>
-          <p:cNvSpPr/>
-          <p:nvPr/>
-        </p:nvSpPr>
-        <p:spPr>
-          <a:xfrm>
-            <a:off x="3120298" y="1318234"/>
-            <a:ext cx="432048" cy="216000"/>
-          </a:xfrm>
-          <a:prstGeom prst="rect">
-            <a:avLst/>
-          </a:prstGeom>
-          <a:ln/>
-        </p:spPr>
-        <p:style>
-          <a:lnRef idx="1">
-            <a:schemeClr val="accent2"/>
-          </a:lnRef>
-          <a:fillRef idx="2">
-            <a:schemeClr val="accent2"/>
-          </a:fillRef>
-          <a:effectRef idx="1">
-            <a:schemeClr val="accent2"/>
-          </a:effectRef>
-          <a:fontRef idx="minor">
-            <a:schemeClr val="dk1"/>
-          </a:fontRef>
-        </p:style>
-        <p:txBody>
-          <a:bodyPr lIns="36000" tIns="36000" rIns="36000" bIns="36000" rtlCol="0" anchor="ctr"/>
-          <a:lstStyle/>
-          <a:p>
-            <a:pPr algn="ctr"/>
-            <a:r>
-              <a:rPr lang="fr-FR" sz="1000" b="1" dirty="0" smtClean="0">
-                <a:solidFill>
-                  <a:sysClr val="windowText" lastClr="000000"/>
-                </a:solidFill>
-              </a:rPr>
-              <a:t>SW 4</a:t>
-            </a:r>
-            <a:endParaRPr lang="fr-FR" sz="1000" b="1" dirty="0">
-              <a:solidFill>
-                <a:sysClr val="windowText" lastClr="000000"/>
-              </a:solidFill>
-            </a:endParaRPr>
-          </a:p>
-        </p:txBody>
-      </p:sp>
-      <p:cxnSp>
-        <p:nvCxnSpPr>
-          <p:cNvPr id="23" name="Connecteur droit avec flèche 22"/>
-          <p:cNvCxnSpPr/>
-          <p:nvPr/>
-        </p:nvCxnSpPr>
-        <p:spPr>
-          <a:xfrm>
-            <a:off x="3552346" y="1714266"/>
-            <a:ext cx="678896" cy="0"/>
-          </a:xfrm>
-          <a:prstGeom prst="straightConnector1">
-            <a:avLst/>
-          </a:prstGeom>
-          <a:ln>
-            <a:prstDash val="dash"/>
-            <a:headEnd w="med" len="lg"/>
-            <a:tailEnd type="stealth" w="sm" len="lg"/>
-          </a:ln>
-        </p:spPr>
-        <p:style>
-          <a:lnRef idx="2">
-            <a:schemeClr val="accent3"/>
-          </a:lnRef>
-          <a:fillRef idx="0">
-            <a:schemeClr val="accent3"/>
-          </a:fillRef>
-          <a:effectRef idx="1">
-            <a:schemeClr val="accent3"/>
-          </a:effectRef>
-          <a:fontRef idx="minor">
-            <a:schemeClr val="tx1"/>
-          </a:fontRef>
-        </p:style>
-      </p:cxnSp>
-      <p:sp>
-        <p:nvSpPr>
-          <p:cNvPr id="24" name="Rectangle 23"/>
-          <p:cNvSpPr/>
-          <p:nvPr/>
-        </p:nvSpPr>
-        <p:spPr>
-          <a:xfrm>
-            <a:off x="3120298" y="1606266"/>
-            <a:ext cx="432048" cy="216000"/>
-          </a:xfrm>
-          <a:prstGeom prst="rect">
-            <a:avLst/>
-          </a:prstGeom>
-          <a:ln/>
-        </p:spPr>
-        <p:style>
-          <a:lnRef idx="1">
-            <a:schemeClr val="accent2"/>
-          </a:lnRef>
-          <a:fillRef idx="2">
-            <a:schemeClr val="accent2"/>
-          </a:fillRef>
-          <a:effectRef idx="1">
-            <a:schemeClr val="accent2"/>
-          </a:effectRef>
-          <a:fontRef idx="minor">
-            <a:schemeClr val="dk1"/>
-          </a:fontRef>
-        </p:style>
-        <p:txBody>
-          <a:bodyPr lIns="36000" tIns="36000" rIns="36000" bIns="36000" rtlCol="0" anchor="ctr"/>
-          <a:lstStyle/>
-          <a:p>
-            <a:pPr algn="ctr"/>
-            <a:r>
-              <a:rPr lang="fr-FR" sz="1000" b="1" dirty="0" smtClean="0">
-                <a:solidFill>
-                  <a:sysClr val="windowText" lastClr="000000"/>
-                </a:solidFill>
-              </a:rPr>
-              <a:t>SW 6</a:t>
-            </a:r>
-            <a:endParaRPr lang="fr-FR" sz="1000" b="1" dirty="0">
-              <a:solidFill>
-                <a:sysClr val="windowText" lastClr="000000"/>
-              </a:solidFill>
-            </a:endParaRPr>
-          </a:p>
-        </p:txBody>
-      </p:sp>
-      <p:cxnSp>
-        <p:nvCxnSpPr>
-          <p:cNvPr id="25" name="Connecteur droit avec flèche 24"/>
-          <p:cNvCxnSpPr/>
-          <p:nvPr/>
-        </p:nvCxnSpPr>
-        <p:spPr>
-          <a:xfrm>
-            <a:off x="3552346" y="2002298"/>
-            <a:ext cx="678896" cy="0"/>
-          </a:xfrm>
-          <a:prstGeom prst="straightConnector1">
-            <a:avLst/>
-          </a:prstGeom>
-          <a:ln>
-            <a:prstDash val="dash"/>
-            <a:headEnd w="med" len="lg"/>
-            <a:tailEnd type="stealth" w="sm" len="lg"/>
-          </a:ln>
-        </p:spPr>
-        <p:style>
-          <a:lnRef idx="2">
-            <a:schemeClr val="accent3"/>
-          </a:lnRef>
-          <a:fillRef idx="0">
-            <a:schemeClr val="accent3"/>
-          </a:fillRef>
-          <a:effectRef idx="1">
-            <a:schemeClr val="accent3"/>
-          </a:effectRef>
-          <a:fontRef idx="minor">
-            <a:schemeClr val="tx1"/>
-          </a:fontRef>
-        </p:style>
-      </p:cxnSp>
-      <p:sp>
-        <p:nvSpPr>
-          <p:cNvPr id="26" name="Rectangle 25"/>
-          <p:cNvSpPr/>
-          <p:nvPr/>
-        </p:nvSpPr>
-        <p:spPr>
-          <a:xfrm>
-            <a:off x="3120298" y="1894298"/>
-            <a:ext cx="432048" cy="216000"/>
-          </a:xfrm>
-          <a:prstGeom prst="rect">
-            <a:avLst/>
-          </a:prstGeom>
-          <a:ln/>
-        </p:spPr>
-        <p:style>
-          <a:lnRef idx="1">
-            <a:schemeClr val="accent2"/>
-          </a:lnRef>
-          <a:fillRef idx="2">
-            <a:schemeClr val="accent2"/>
-          </a:fillRef>
-          <a:effectRef idx="1">
-            <a:schemeClr val="accent2"/>
-          </a:effectRef>
-          <a:fontRef idx="minor">
-            <a:schemeClr val="dk1"/>
-          </a:fontRef>
-        </p:style>
-        <p:txBody>
-          <a:bodyPr lIns="36000" tIns="36000" rIns="36000" bIns="36000" rtlCol="0" anchor="ctr"/>
-          <a:lstStyle/>
-          <a:p>
-            <a:pPr algn="ctr"/>
-            <a:r>
-              <a:rPr lang="fr-FR" sz="1000" b="1" dirty="0" smtClean="0">
-                <a:solidFill>
-                  <a:sysClr val="windowText" lastClr="000000"/>
-                </a:solidFill>
-              </a:rPr>
-              <a:t>SW 5</a:t>
-            </a:r>
-            <a:endParaRPr lang="fr-FR" sz="1000" b="1" dirty="0">
-              <a:solidFill>
-                <a:sysClr val="windowText" lastClr="000000"/>
-              </a:solidFill>
-            </a:endParaRPr>
-          </a:p>
-        </p:txBody>
-      </p:sp>
-      <p:cxnSp>
-        <p:nvCxnSpPr>
-          <p:cNvPr id="27" name="Connecteur droit avec flèche 26"/>
-          <p:cNvCxnSpPr/>
-          <p:nvPr/>
-        </p:nvCxnSpPr>
-        <p:spPr>
-          <a:xfrm>
-            <a:off x="3561165" y="2290330"/>
-            <a:ext cx="678896" cy="0"/>
-          </a:xfrm>
-          <a:prstGeom prst="straightConnector1">
-            <a:avLst/>
-          </a:prstGeom>
-          <a:ln>
-            <a:prstDash val="dash"/>
-            <a:headEnd w="med" len="lg"/>
-            <a:tailEnd type="stealth" w="sm" len="lg"/>
-          </a:ln>
-        </p:spPr>
-        <p:style>
-          <a:lnRef idx="2">
-            <a:schemeClr val="accent3"/>
-          </a:lnRef>
-          <a:fillRef idx="0">
-            <a:schemeClr val="accent3"/>
-          </a:fillRef>
-          <a:effectRef idx="1">
-            <a:schemeClr val="accent3"/>
-          </a:effectRef>
-          <a:fontRef idx="minor">
-            <a:schemeClr val="tx1"/>
-          </a:fontRef>
-        </p:style>
-      </p:cxnSp>
-      <p:sp>
-        <p:nvSpPr>
-          <p:cNvPr id="28" name="Rectangle 27"/>
-          <p:cNvSpPr/>
-          <p:nvPr/>
-        </p:nvSpPr>
-        <p:spPr>
-          <a:xfrm>
-            <a:off x="3129117" y="2182330"/>
-            <a:ext cx="432048" cy="216000"/>
-          </a:xfrm>
-          <a:prstGeom prst="rect">
-            <a:avLst/>
-          </a:prstGeom>
-          <a:ln/>
-        </p:spPr>
-        <p:style>
-          <a:lnRef idx="1">
-            <a:schemeClr val="accent2"/>
-          </a:lnRef>
-          <a:fillRef idx="2">
-            <a:schemeClr val="accent2"/>
-          </a:fillRef>
-          <a:effectRef idx="1">
-            <a:schemeClr val="accent2"/>
-          </a:effectRef>
-          <a:fontRef idx="minor">
-            <a:schemeClr val="dk1"/>
-          </a:fontRef>
-        </p:style>
-        <p:txBody>
-          <a:bodyPr lIns="36000" tIns="36000" rIns="36000" bIns="36000" rtlCol="0" anchor="ctr"/>
-          <a:lstStyle/>
-          <a:p>
-            <a:pPr algn="ctr"/>
-            <a:r>
-              <a:rPr lang="fr-FR" sz="1000" b="1" dirty="0" smtClean="0">
-                <a:solidFill>
-                  <a:sysClr val="windowText" lastClr="000000"/>
-                </a:solidFill>
-              </a:rPr>
-              <a:t>SW 8</a:t>
-            </a:r>
-            <a:endParaRPr lang="fr-FR" sz="1000" b="1" dirty="0">
-              <a:solidFill>
-                <a:sysClr val="windowText" lastClr="000000"/>
-              </a:solidFill>
-            </a:endParaRPr>
-          </a:p>
-        </p:txBody>
-      </p:sp>
-      <p:cxnSp>
-        <p:nvCxnSpPr>
-          <p:cNvPr id="29" name="Connecteur droit avec flèche 28"/>
-          <p:cNvCxnSpPr/>
-          <p:nvPr/>
-        </p:nvCxnSpPr>
-        <p:spPr>
-          <a:xfrm>
-            <a:off x="3563888" y="2580448"/>
-            <a:ext cx="678896" cy="0"/>
-          </a:xfrm>
-          <a:prstGeom prst="straightConnector1">
-            <a:avLst/>
-          </a:prstGeom>
-          <a:ln>
-            <a:prstDash val="dash"/>
-            <a:headEnd w="med" len="lg"/>
-            <a:tailEnd type="stealth" w="sm" len="lg"/>
-          </a:ln>
-        </p:spPr>
-        <p:style>
-          <a:lnRef idx="2">
-            <a:schemeClr val="accent3"/>
-          </a:lnRef>
-          <a:fillRef idx="0">
-            <a:schemeClr val="accent3"/>
-          </a:fillRef>
-          <a:effectRef idx="1">
-            <a:schemeClr val="accent3"/>
-          </a:effectRef>
-          <a:fontRef idx="minor">
-            <a:schemeClr val="tx1"/>
-          </a:fontRef>
-        </p:style>
-      </p:cxnSp>
-      <p:sp>
-        <p:nvSpPr>
-          <p:cNvPr id="30" name="Rectangle 29"/>
-          <p:cNvSpPr/>
-          <p:nvPr/>
-        </p:nvSpPr>
-        <p:spPr>
-          <a:xfrm>
-            <a:off x="3131840" y="2472448"/>
-            <a:ext cx="432048" cy="216000"/>
-          </a:xfrm>
-          <a:prstGeom prst="rect">
-            <a:avLst/>
-          </a:prstGeom>
-          <a:ln/>
-        </p:spPr>
-        <p:style>
-          <a:lnRef idx="1">
-            <a:schemeClr val="accent2"/>
-          </a:lnRef>
-          <a:fillRef idx="2">
-            <a:schemeClr val="accent2"/>
-          </a:fillRef>
-          <a:effectRef idx="1">
-            <a:schemeClr val="accent2"/>
-          </a:effectRef>
-          <a:fontRef idx="minor">
-            <a:schemeClr val="dk1"/>
-          </a:fontRef>
-        </p:style>
-        <p:txBody>
-          <a:bodyPr lIns="36000" tIns="36000" rIns="36000" bIns="36000" rtlCol="0" anchor="ctr"/>
-          <a:lstStyle/>
-          <a:p>
-            <a:pPr algn="ctr"/>
-            <a:r>
-              <a:rPr lang="fr-FR" sz="1000" b="1" dirty="0" smtClean="0">
-                <a:solidFill>
-                  <a:sysClr val="windowText" lastClr="000000"/>
-                </a:solidFill>
-              </a:rPr>
-              <a:t>SW 7</a:t>
-            </a:r>
-            <a:endParaRPr lang="fr-FR" sz="1000" b="1" dirty="0">
-              <a:solidFill>
-                <a:sysClr val="windowText" lastClr="000000"/>
-              </a:solidFill>
-            </a:endParaRPr>
+          <p:cNvPr id="15" name="ZoneTexte 14"/>
+          <p:cNvSpPr txBox="1"/>
+          <p:nvPr/>
+        </p:nvSpPr>
+        <p:spPr>
+          <a:xfrm>
+            <a:off x="1907704" y="3414577"/>
+            <a:ext cx="667072" cy="276999"/>
+          </a:xfrm>
+          <a:prstGeom prst="rect">
+            <a:avLst/>
+          </a:prstGeom>
+          <a:noFill/>
+        </p:spPr>
+        <p:txBody>
+          <a:bodyPr wrap="square" rtlCol="0">
+            <a:spAutoFit/>
+          </a:bodyPr>
+          <a:lstStyle/>
+          <a:p>
+            <a:r>
+              <a:rPr lang="fr-FR" sz="1200" dirty="0" smtClean="0"/>
+              <a:t>CPLD </a:t>
+            </a:r>
+            <a:endParaRPr lang="fr-FR" sz="1200" dirty="0"/>
           </a:p>
         </p:txBody>
       </p:sp>
     </p:spTree>
     <p:extLst>
       <p:ext uri="{BB962C8B-B14F-4D97-AF65-F5344CB8AC3E}">
-        <p14:creationId xmlns:p14="http://schemas.microsoft.com/office/powerpoint/2010/main" val="140309657"/>
+        <p14:creationId xmlns:p14="http://schemas.microsoft.com/office/powerpoint/2010/main" val="4110334237"/>
       </p:ext>
     </p:extLst>
   </p:cSld>
@@ -8501,6 +7638,1127 @@
       </p:grpSpPr>
       <p:sp>
         <p:nvSpPr>
+          <p:cNvPr id="11" name="Rectangle 10"/>
+          <p:cNvSpPr/>
+          <p:nvPr/>
+        </p:nvSpPr>
+        <p:spPr>
+          <a:xfrm>
+            <a:off x="4231242" y="426593"/>
+            <a:ext cx="288032" cy="288032"/>
+          </a:xfrm>
+          <a:prstGeom prst="rect">
+            <a:avLst/>
+          </a:prstGeom>
+          <a:ln/>
+        </p:spPr>
+        <p:style>
+          <a:lnRef idx="1">
+            <a:schemeClr val="accent3"/>
+          </a:lnRef>
+          <a:fillRef idx="2">
+            <a:schemeClr val="accent3"/>
+          </a:fillRef>
+          <a:effectRef idx="1">
+            <a:schemeClr val="accent3"/>
+          </a:effectRef>
+          <a:fontRef idx="minor">
+            <a:schemeClr val="dk1"/>
+          </a:fontRef>
+        </p:style>
+        <p:txBody>
+          <a:bodyPr lIns="36000" tIns="36000" rIns="36000" bIns="36000" rtlCol="0" anchor="ctr"/>
+          <a:lstStyle/>
+          <a:p>
+            <a:pPr algn="ctr"/>
+            <a:r>
+              <a:rPr lang="fr-FR" sz="1000" dirty="0" smtClean="0">
+                <a:solidFill>
+                  <a:sysClr val="windowText" lastClr="000000"/>
+                </a:solidFill>
+              </a:rPr>
+              <a:t>3</a:t>
+            </a:r>
+            <a:endParaRPr lang="fr-FR" sz="1000" dirty="0">
+              <a:solidFill>
+                <a:sysClr val="windowText" lastClr="000000"/>
+              </a:solidFill>
+            </a:endParaRPr>
+          </a:p>
+        </p:txBody>
+      </p:sp>
+      <p:sp>
+        <p:nvSpPr>
+          <p:cNvPr id="10" name="Rectangle 9"/>
+          <p:cNvSpPr/>
+          <p:nvPr/>
+        </p:nvSpPr>
+        <p:spPr>
+          <a:xfrm>
+            <a:off x="4231242" y="714625"/>
+            <a:ext cx="288032" cy="288032"/>
+          </a:xfrm>
+          <a:prstGeom prst="rect">
+            <a:avLst/>
+          </a:prstGeom>
+          <a:ln/>
+        </p:spPr>
+        <p:style>
+          <a:lnRef idx="1">
+            <a:schemeClr val="accent3"/>
+          </a:lnRef>
+          <a:fillRef idx="2">
+            <a:schemeClr val="accent3"/>
+          </a:fillRef>
+          <a:effectRef idx="1">
+            <a:schemeClr val="accent3"/>
+          </a:effectRef>
+          <a:fontRef idx="minor">
+            <a:schemeClr val="dk1"/>
+          </a:fontRef>
+        </p:style>
+        <p:txBody>
+          <a:bodyPr lIns="36000" tIns="36000" rIns="36000" bIns="36000" rtlCol="0" anchor="ctr"/>
+          <a:lstStyle/>
+          <a:p>
+            <a:pPr algn="ctr"/>
+            <a:r>
+              <a:rPr lang="fr-FR" sz="1000" dirty="0">
+                <a:solidFill>
+                  <a:sysClr val="windowText" lastClr="000000"/>
+                </a:solidFill>
+              </a:rPr>
+              <a:t>4</a:t>
+            </a:r>
+          </a:p>
+        </p:txBody>
+      </p:sp>
+      <p:sp>
+        <p:nvSpPr>
+          <p:cNvPr id="9" name="Rectangle 8"/>
+          <p:cNvSpPr/>
+          <p:nvPr/>
+        </p:nvSpPr>
+        <p:spPr>
+          <a:xfrm>
+            <a:off x="4231242" y="1002657"/>
+            <a:ext cx="288032" cy="288032"/>
+          </a:xfrm>
+          <a:prstGeom prst="rect">
+            <a:avLst/>
+          </a:prstGeom>
+          <a:ln/>
+        </p:spPr>
+        <p:style>
+          <a:lnRef idx="1">
+            <a:schemeClr val="accent3"/>
+          </a:lnRef>
+          <a:fillRef idx="2">
+            <a:schemeClr val="accent3"/>
+          </a:fillRef>
+          <a:effectRef idx="1">
+            <a:schemeClr val="accent3"/>
+          </a:effectRef>
+          <a:fontRef idx="minor">
+            <a:schemeClr val="dk1"/>
+          </a:fontRef>
+        </p:style>
+        <p:txBody>
+          <a:bodyPr lIns="36000" tIns="36000" rIns="36000" bIns="36000" rtlCol="0" anchor="ctr"/>
+          <a:lstStyle/>
+          <a:p>
+            <a:pPr algn="ctr"/>
+            <a:r>
+              <a:rPr lang="fr-FR" sz="1000" dirty="0" smtClean="0">
+                <a:solidFill>
+                  <a:sysClr val="windowText" lastClr="000000"/>
+                </a:solidFill>
+              </a:rPr>
+              <a:t>5</a:t>
+            </a:r>
+            <a:endParaRPr lang="fr-FR" sz="1000" dirty="0">
+              <a:solidFill>
+                <a:sysClr val="windowText" lastClr="000000"/>
+              </a:solidFill>
+            </a:endParaRPr>
+          </a:p>
+        </p:txBody>
+      </p:sp>
+      <p:sp>
+        <p:nvSpPr>
+          <p:cNvPr id="8" name="Rectangle 7"/>
+          <p:cNvSpPr/>
+          <p:nvPr/>
+        </p:nvSpPr>
+        <p:spPr>
+          <a:xfrm>
+            <a:off x="4231242" y="1290689"/>
+            <a:ext cx="288032" cy="288032"/>
+          </a:xfrm>
+          <a:prstGeom prst="rect">
+            <a:avLst/>
+          </a:prstGeom>
+          <a:ln/>
+        </p:spPr>
+        <p:style>
+          <a:lnRef idx="1">
+            <a:schemeClr val="accent3"/>
+          </a:lnRef>
+          <a:fillRef idx="2">
+            <a:schemeClr val="accent3"/>
+          </a:fillRef>
+          <a:effectRef idx="1">
+            <a:schemeClr val="accent3"/>
+          </a:effectRef>
+          <a:fontRef idx="minor">
+            <a:schemeClr val="dk1"/>
+          </a:fontRef>
+        </p:style>
+        <p:txBody>
+          <a:bodyPr lIns="36000" tIns="36000" rIns="36000" bIns="36000" rtlCol="0" anchor="ctr"/>
+          <a:lstStyle/>
+          <a:p>
+            <a:pPr algn="ctr"/>
+            <a:r>
+              <a:rPr lang="fr-FR" sz="1000" dirty="0" smtClean="0">
+                <a:solidFill>
+                  <a:sysClr val="windowText" lastClr="000000"/>
+                </a:solidFill>
+              </a:rPr>
+              <a:t>6</a:t>
+            </a:r>
+            <a:endParaRPr lang="fr-FR" sz="1000" dirty="0">
+              <a:solidFill>
+                <a:sysClr val="windowText" lastClr="000000"/>
+              </a:solidFill>
+            </a:endParaRPr>
+          </a:p>
+        </p:txBody>
+      </p:sp>
+      <p:sp>
+        <p:nvSpPr>
+          <p:cNvPr id="7" name="Rectangle 6"/>
+          <p:cNvSpPr/>
+          <p:nvPr/>
+        </p:nvSpPr>
+        <p:spPr>
+          <a:xfrm>
+            <a:off x="4231242" y="1578721"/>
+            <a:ext cx="288032" cy="288032"/>
+          </a:xfrm>
+          <a:prstGeom prst="rect">
+            <a:avLst/>
+          </a:prstGeom>
+          <a:ln/>
+        </p:spPr>
+        <p:style>
+          <a:lnRef idx="1">
+            <a:schemeClr val="accent3"/>
+          </a:lnRef>
+          <a:fillRef idx="2">
+            <a:schemeClr val="accent3"/>
+          </a:fillRef>
+          <a:effectRef idx="1">
+            <a:schemeClr val="accent3"/>
+          </a:effectRef>
+          <a:fontRef idx="minor">
+            <a:schemeClr val="dk1"/>
+          </a:fontRef>
+        </p:style>
+        <p:txBody>
+          <a:bodyPr lIns="36000" tIns="36000" rIns="36000" bIns="36000" rtlCol="0" anchor="ctr"/>
+          <a:lstStyle/>
+          <a:p>
+            <a:pPr algn="ctr"/>
+            <a:r>
+              <a:rPr lang="fr-FR" sz="1000" dirty="0" smtClean="0">
+                <a:solidFill>
+                  <a:sysClr val="windowText" lastClr="000000"/>
+                </a:solidFill>
+              </a:rPr>
+              <a:t>7</a:t>
+            </a:r>
+            <a:endParaRPr lang="fr-FR" sz="1000" dirty="0">
+              <a:solidFill>
+                <a:sysClr val="windowText" lastClr="000000"/>
+              </a:solidFill>
+            </a:endParaRPr>
+          </a:p>
+        </p:txBody>
+      </p:sp>
+      <p:sp>
+        <p:nvSpPr>
+          <p:cNvPr id="6" name="Rectangle 5"/>
+          <p:cNvSpPr/>
+          <p:nvPr/>
+        </p:nvSpPr>
+        <p:spPr>
+          <a:xfrm>
+            <a:off x="4231242" y="1866753"/>
+            <a:ext cx="288032" cy="288032"/>
+          </a:xfrm>
+          <a:prstGeom prst="rect">
+            <a:avLst/>
+          </a:prstGeom>
+          <a:ln/>
+        </p:spPr>
+        <p:style>
+          <a:lnRef idx="1">
+            <a:schemeClr val="accent3"/>
+          </a:lnRef>
+          <a:fillRef idx="2">
+            <a:schemeClr val="accent3"/>
+          </a:fillRef>
+          <a:effectRef idx="1">
+            <a:schemeClr val="accent3"/>
+          </a:effectRef>
+          <a:fontRef idx="minor">
+            <a:schemeClr val="dk1"/>
+          </a:fontRef>
+        </p:style>
+        <p:txBody>
+          <a:bodyPr lIns="36000" tIns="36000" rIns="36000" bIns="36000" rtlCol="0" anchor="ctr"/>
+          <a:lstStyle/>
+          <a:p>
+            <a:pPr algn="ctr"/>
+            <a:r>
+              <a:rPr lang="fr-FR" sz="1000" dirty="0" smtClean="0">
+                <a:solidFill>
+                  <a:sysClr val="windowText" lastClr="000000"/>
+                </a:solidFill>
+              </a:rPr>
+              <a:t>8</a:t>
+            </a:r>
+            <a:endParaRPr lang="fr-FR" sz="1000" dirty="0">
+              <a:solidFill>
+                <a:sysClr val="windowText" lastClr="000000"/>
+              </a:solidFill>
+            </a:endParaRPr>
+          </a:p>
+        </p:txBody>
+      </p:sp>
+      <p:sp>
+        <p:nvSpPr>
+          <p:cNvPr id="5" name="Rectangle 4"/>
+          <p:cNvSpPr/>
+          <p:nvPr/>
+        </p:nvSpPr>
+        <p:spPr>
+          <a:xfrm>
+            <a:off x="4231242" y="2154785"/>
+            <a:ext cx="288032" cy="288032"/>
+          </a:xfrm>
+          <a:prstGeom prst="rect">
+            <a:avLst/>
+          </a:prstGeom>
+          <a:ln/>
+        </p:spPr>
+        <p:style>
+          <a:lnRef idx="1">
+            <a:schemeClr val="accent3"/>
+          </a:lnRef>
+          <a:fillRef idx="2">
+            <a:schemeClr val="accent3"/>
+          </a:fillRef>
+          <a:effectRef idx="1">
+            <a:schemeClr val="accent3"/>
+          </a:effectRef>
+          <a:fontRef idx="minor">
+            <a:schemeClr val="dk1"/>
+          </a:fontRef>
+        </p:style>
+        <p:txBody>
+          <a:bodyPr lIns="36000" tIns="36000" rIns="36000" bIns="36000" rtlCol="0" anchor="ctr"/>
+          <a:lstStyle/>
+          <a:p>
+            <a:pPr algn="ctr"/>
+            <a:r>
+              <a:rPr lang="fr-FR" sz="1000" dirty="0" smtClean="0">
+                <a:solidFill>
+                  <a:sysClr val="windowText" lastClr="000000"/>
+                </a:solidFill>
+              </a:rPr>
+              <a:t>9</a:t>
+            </a:r>
+            <a:endParaRPr lang="fr-FR" sz="1000" dirty="0">
+              <a:solidFill>
+                <a:sysClr val="windowText" lastClr="000000"/>
+              </a:solidFill>
+            </a:endParaRPr>
+          </a:p>
+        </p:txBody>
+      </p:sp>
+      <p:sp>
+        <p:nvSpPr>
+          <p:cNvPr id="4" name="Rectangle 3"/>
+          <p:cNvSpPr/>
+          <p:nvPr/>
+        </p:nvSpPr>
+        <p:spPr>
+          <a:xfrm>
+            <a:off x="4231242" y="2444903"/>
+            <a:ext cx="288032" cy="288032"/>
+          </a:xfrm>
+          <a:prstGeom prst="rect">
+            <a:avLst/>
+          </a:prstGeom>
+          <a:ln/>
+        </p:spPr>
+        <p:style>
+          <a:lnRef idx="1">
+            <a:schemeClr val="accent3"/>
+          </a:lnRef>
+          <a:fillRef idx="2">
+            <a:schemeClr val="accent3"/>
+          </a:fillRef>
+          <a:effectRef idx="1">
+            <a:schemeClr val="accent3"/>
+          </a:effectRef>
+          <a:fontRef idx="minor">
+            <a:schemeClr val="dk1"/>
+          </a:fontRef>
+        </p:style>
+        <p:txBody>
+          <a:bodyPr lIns="36000" tIns="36000" rIns="36000" bIns="36000" rtlCol="0" anchor="ctr"/>
+          <a:lstStyle/>
+          <a:p>
+            <a:pPr algn="ctr"/>
+            <a:r>
+              <a:rPr lang="fr-FR" sz="1000" dirty="0" smtClean="0">
+                <a:solidFill>
+                  <a:sysClr val="windowText" lastClr="000000"/>
+                </a:solidFill>
+              </a:rPr>
+              <a:t>10</a:t>
+            </a:r>
+            <a:endParaRPr lang="fr-FR" sz="1000" dirty="0">
+              <a:solidFill>
+                <a:sysClr val="windowText" lastClr="000000"/>
+              </a:solidFill>
+            </a:endParaRPr>
+          </a:p>
+        </p:txBody>
+      </p:sp>
+      <p:cxnSp>
+        <p:nvCxnSpPr>
+          <p:cNvPr id="14" name="Connecteur droit avec flèche 13"/>
+          <p:cNvCxnSpPr/>
+          <p:nvPr/>
+        </p:nvCxnSpPr>
+        <p:spPr>
+          <a:xfrm>
+            <a:off x="3563888" y="562138"/>
+            <a:ext cx="678896" cy="0"/>
+          </a:xfrm>
+          <a:prstGeom prst="straightConnector1">
+            <a:avLst/>
+          </a:prstGeom>
+          <a:ln>
+            <a:prstDash val="dash"/>
+            <a:headEnd w="med" len="lg"/>
+            <a:tailEnd type="stealth" w="sm" len="lg"/>
+          </a:ln>
+        </p:spPr>
+        <p:style>
+          <a:lnRef idx="2">
+            <a:schemeClr val="accent3"/>
+          </a:lnRef>
+          <a:fillRef idx="0">
+            <a:schemeClr val="accent3"/>
+          </a:fillRef>
+          <a:effectRef idx="1">
+            <a:schemeClr val="accent3"/>
+          </a:effectRef>
+          <a:fontRef idx="minor">
+            <a:schemeClr val="tx1"/>
+          </a:fontRef>
+        </p:style>
+      </p:cxnSp>
+      <p:sp>
+        <p:nvSpPr>
+          <p:cNvPr id="16" name="Rectangle 15"/>
+          <p:cNvSpPr/>
+          <p:nvPr/>
+        </p:nvSpPr>
+        <p:spPr>
+          <a:xfrm>
+            <a:off x="3131840" y="454138"/>
+            <a:ext cx="432048" cy="216000"/>
+          </a:xfrm>
+          <a:prstGeom prst="rect">
+            <a:avLst/>
+          </a:prstGeom>
+          <a:ln/>
+        </p:spPr>
+        <p:style>
+          <a:lnRef idx="1">
+            <a:schemeClr val="accent2"/>
+          </a:lnRef>
+          <a:fillRef idx="2">
+            <a:schemeClr val="accent2"/>
+          </a:fillRef>
+          <a:effectRef idx="1">
+            <a:schemeClr val="accent2"/>
+          </a:effectRef>
+          <a:fontRef idx="minor">
+            <a:schemeClr val="dk1"/>
+          </a:fontRef>
+        </p:style>
+        <p:txBody>
+          <a:bodyPr lIns="36000" tIns="36000" rIns="36000" bIns="36000" rtlCol="0" anchor="ctr"/>
+          <a:lstStyle/>
+          <a:p>
+            <a:pPr algn="ctr"/>
+            <a:r>
+              <a:rPr lang="fr-FR" sz="1000" b="1" dirty="0" smtClean="0">
+                <a:solidFill>
+                  <a:sysClr val="windowText" lastClr="000000"/>
+                </a:solidFill>
+              </a:rPr>
+              <a:t>SW 1</a:t>
+            </a:r>
+            <a:endParaRPr lang="fr-FR" sz="1000" b="1" dirty="0">
+              <a:solidFill>
+                <a:sysClr val="windowText" lastClr="000000"/>
+              </a:solidFill>
+            </a:endParaRPr>
+          </a:p>
+        </p:txBody>
+      </p:sp>
+      <p:cxnSp>
+        <p:nvCxnSpPr>
+          <p:cNvPr id="17" name="Connecteur droit avec flèche 16"/>
+          <p:cNvCxnSpPr/>
+          <p:nvPr/>
+        </p:nvCxnSpPr>
+        <p:spPr>
+          <a:xfrm>
+            <a:off x="3563888" y="850170"/>
+            <a:ext cx="678896" cy="0"/>
+          </a:xfrm>
+          <a:prstGeom prst="straightConnector1">
+            <a:avLst/>
+          </a:prstGeom>
+          <a:ln>
+            <a:prstDash val="dash"/>
+            <a:headEnd w="med" len="lg"/>
+            <a:tailEnd type="stealth" w="sm" len="lg"/>
+          </a:ln>
+        </p:spPr>
+        <p:style>
+          <a:lnRef idx="2">
+            <a:schemeClr val="accent3"/>
+          </a:lnRef>
+          <a:fillRef idx="0">
+            <a:schemeClr val="accent3"/>
+          </a:fillRef>
+          <a:effectRef idx="1">
+            <a:schemeClr val="accent3"/>
+          </a:effectRef>
+          <a:fontRef idx="minor">
+            <a:schemeClr val="tx1"/>
+          </a:fontRef>
+        </p:style>
+      </p:cxnSp>
+      <p:sp>
+        <p:nvSpPr>
+          <p:cNvPr id="18" name="Rectangle 17"/>
+          <p:cNvSpPr/>
+          <p:nvPr/>
+        </p:nvSpPr>
+        <p:spPr>
+          <a:xfrm>
+            <a:off x="3131840" y="742170"/>
+            <a:ext cx="432048" cy="216000"/>
+          </a:xfrm>
+          <a:prstGeom prst="rect">
+            <a:avLst/>
+          </a:prstGeom>
+          <a:ln/>
+        </p:spPr>
+        <p:style>
+          <a:lnRef idx="1">
+            <a:schemeClr val="accent2"/>
+          </a:lnRef>
+          <a:fillRef idx="2">
+            <a:schemeClr val="accent2"/>
+          </a:fillRef>
+          <a:effectRef idx="1">
+            <a:schemeClr val="accent2"/>
+          </a:effectRef>
+          <a:fontRef idx="minor">
+            <a:schemeClr val="dk1"/>
+          </a:fontRef>
+        </p:style>
+        <p:txBody>
+          <a:bodyPr lIns="36000" tIns="36000" rIns="36000" bIns="36000" rtlCol="0" anchor="ctr"/>
+          <a:lstStyle/>
+          <a:p>
+            <a:pPr algn="ctr"/>
+            <a:r>
+              <a:rPr lang="fr-FR" sz="1000" b="1" dirty="0" smtClean="0">
+                <a:solidFill>
+                  <a:sysClr val="windowText" lastClr="000000"/>
+                </a:solidFill>
+              </a:rPr>
+              <a:t>SW 2</a:t>
+            </a:r>
+            <a:endParaRPr lang="fr-FR" sz="1000" b="1" dirty="0">
+              <a:solidFill>
+                <a:sysClr val="windowText" lastClr="000000"/>
+              </a:solidFill>
+            </a:endParaRPr>
+          </a:p>
+        </p:txBody>
+      </p:sp>
+      <p:cxnSp>
+        <p:nvCxnSpPr>
+          <p:cNvPr id="19" name="Connecteur droit avec flèche 18"/>
+          <p:cNvCxnSpPr/>
+          <p:nvPr/>
+        </p:nvCxnSpPr>
+        <p:spPr>
+          <a:xfrm>
+            <a:off x="3561165" y="1138202"/>
+            <a:ext cx="678896" cy="0"/>
+          </a:xfrm>
+          <a:prstGeom prst="straightConnector1">
+            <a:avLst/>
+          </a:prstGeom>
+          <a:ln>
+            <a:prstDash val="dash"/>
+            <a:headEnd w="med" len="lg"/>
+            <a:tailEnd type="stealth" w="sm" len="lg"/>
+          </a:ln>
+        </p:spPr>
+        <p:style>
+          <a:lnRef idx="2">
+            <a:schemeClr val="accent3"/>
+          </a:lnRef>
+          <a:fillRef idx="0">
+            <a:schemeClr val="accent3"/>
+          </a:fillRef>
+          <a:effectRef idx="1">
+            <a:schemeClr val="accent3"/>
+          </a:effectRef>
+          <a:fontRef idx="minor">
+            <a:schemeClr val="tx1"/>
+          </a:fontRef>
+        </p:style>
+      </p:cxnSp>
+      <p:sp>
+        <p:nvSpPr>
+          <p:cNvPr id="20" name="Rectangle 19"/>
+          <p:cNvSpPr/>
+          <p:nvPr/>
+        </p:nvSpPr>
+        <p:spPr>
+          <a:xfrm>
+            <a:off x="3129117" y="1030202"/>
+            <a:ext cx="432048" cy="216000"/>
+          </a:xfrm>
+          <a:prstGeom prst="rect">
+            <a:avLst/>
+          </a:prstGeom>
+          <a:ln/>
+        </p:spPr>
+        <p:style>
+          <a:lnRef idx="1">
+            <a:schemeClr val="accent2"/>
+          </a:lnRef>
+          <a:fillRef idx="2">
+            <a:schemeClr val="accent2"/>
+          </a:fillRef>
+          <a:effectRef idx="1">
+            <a:schemeClr val="accent2"/>
+          </a:effectRef>
+          <a:fontRef idx="minor">
+            <a:schemeClr val="dk1"/>
+          </a:fontRef>
+        </p:style>
+        <p:txBody>
+          <a:bodyPr lIns="36000" tIns="36000" rIns="36000" bIns="36000" rtlCol="0" anchor="ctr"/>
+          <a:lstStyle/>
+          <a:p>
+            <a:pPr algn="ctr"/>
+            <a:r>
+              <a:rPr lang="fr-FR" sz="1000" b="1" dirty="0" smtClean="0">
+                <a:solidFill>
+                  <a:sysClr val="windowText" lastClr="000000"/>
+                </a:solidFill>
+              </a:rPr>
+              <a:t>SW 3</a:t>
+            </a:r>
+            <a:endParaRPr lang="fr-FR" sz="1000" b="1" dirty="0">
+              <a:solidFill>
+                <a:sysClr val="windowText" lastClr="000000"/>
+              </a:solidFill>
+            </a:endParaRPr>
+          </a:p>
+        </p:txBody>
+      </p:sp>
+      <p:cxnSp>
+        <p:nvCxnSpPr>
+          <p:cNvPr id="21" name="Connecteur droit avec flèche 20"/>
+          <p:cNvCxnSpPr/>
+          <p:nvPr/>
+        </p:nvCxnSpPr>
+        <p:spPr>
+          <a:xfrm>
+            <a:off x="3552346" y="1426234"/>
+            <a:ext cx="678896" cy="0"/>
+          </a:xfrm>
+          <a:prstGeom prst="straightConnector1">
+            <a:avLst/>
+          </a:prstGeom>
+          <a:ln>
+            <a:prstDash val="dash"/>
+            <a:headEnd w="med" len="lg"/>
+            <a:tailEnd type="stealth" w="sm" len="lg"/>
+          </a:ln>
+        </p:spPr>
+        <p:style>
+          <a:lnRef idx="2">
+            <a:schemeClr val="accent3"/>
+          </a:lnRef>
+          <a:fillRef idx="0">
+            <a:schemeClr val="accent3"/>
+          </a:fillRef>
+          <a:effectRef idx="1">
+            <a:schemeClr val="accent3"/>
+          </a:effectRef>
+          <a:fontRef idx="minor">
+            <a:schemeClr val="tx1"/>
+          </a:fontRef>
+        </p:style>
+      </p:cxnSp>
+      <p:sp>
+        <p:nvSpPr>
+          <p:cNvPr id="22" name="Rectangle 21"/>
+          <p:cNvSpPr/>
+          <p:nvPr/>
+        </p:nvSpPr>
+        <p:spPr>
+          <a:xfrm>
+            <a:off x="3120298" y="1318234"/>
+            <a:ext cx="432048" cy="216000"/>
+          </a:xfrm>
+          <a:prstGeom prst="rect">
+            <a:avLst/>
+          </a:prstGeom>
+          <a:ln/>
+        </p:spPr>
+        <p:style>
+          <a:lnRef idx="1">
+            <a:schemeClr val="accent2"/>
+          </a:lnRef>
+          <a:fillRef idx="2">
+            <a:schemeClr val="accent2"/>
+          </a:fillRef>
+          <a:effectRef idx="1">
+            <a:schemeClr val="accent2"/>
+          </a:effectRef>
+          <a:fontRef idx="minor">
+            <a:schemeClr val="dk1"/>
+          </a:fontRef>
+        </p:style>
+        <p:txBody>
+          <a:bodyPr lIns="36000" tIns="36000" rIns="36000" bIns="36000" rtlCol="0" anchor="ctr"/>
+          <a:lstStyle/>
+          <a:p>
+            <a:pPr algn="ctr"/>
+            <a:r>
+              <a:rPr lang="fr-FR" sz="1000" b="1" dirty="0" smtClean="0">
+                <a:solidFill>
+                  <a:sysClr val="windowText" lastClr="000000"/>
+                </a:solidFill>
+              </a:rPr>
+              <a:t>SW 4</a:t>
+            </a:r>
+            <a:endParaRPr lang="fr-FR" sz="1000" b="1" dirty="0">
+              <a:solidFill>
+                <a:sysClr val="windowText" lastClr="000000"/>
+              </a:solidFill>
+            </a:endParaRPr>
+          </a:p>
+        </p:txBody>
+      </p:sp>
+      <p:cxnSp>
+        <p:nvCxnSpPr>
+          <p:cNvPr id="23" name="Connecteur droit avec flèche 22"/>
+          <p:cNvCxnSpPr/>
+          <p:nvPr/>
+        </p:nvCxnSpPr>
+        <p:spPr>
+          <a:xfrm>
+            <a:off x="3552346" y="1714266"/>
+            <a:ext cx="678896" cy="0"/>
+          </a:xfrm>
+          <a:prstGeom prst="straightConnector1">
+            <a:avLst/>
+          </a:prstGeom>
+          <a:ln>
+            <a:prstDash val="dash"/>
+            <a:headEnd w="med" len="lg"/>
+            <a:tailEnd type="stealth" w="sm" len="lg"/>
+          </a:ln>
+        </p:spPr>
+        <p:style>
+          <a:lnRef idx="2">
+            <a:schemeClr val="accent3"/>
+          </a:lnRef>
+          <a:fillRef idx="0">
+            <a:schemeClr val="accent3"/>
+          </a:fillRef>
+          <a:effectRef idx="1">
+            <a:schemeClr val="accent3"/>
+          </a:effectRef>
+          <a:fontRef idx="minor">
+            <a:schemeClr val="tx1"/>
+          </a:fontRef>
+        </p:style>
+      </p:cxnSp>
+      <p:sp>
+        <p:nvSpPr>
+          <p:cNvPr id="24" name="Rectangle 23"/>
+          <p:cNvSpPr/>
+          <p:nvPr/>
+        </p:nvSpPr>
+        <p:spPr>
+          <a:xfrm>
+            <a:off x="3120298" y="1606266"/>
+            <a:ext cx="432048" cy="216000"/>
+          </a:xfrm>
+          <a:prstGeom prst="rect">
+            <a:avLst/>
+          </a:prstGeom>
+          <a:ln/>
+        </p:spPr>
+        <p:style>
+          <a:lnRef idx="1">
+            <a:schemeClr val="accent2"/>
+          </a:lnRef>
+          <a:fillRef idx="2">
+            <a:schemeClr val="accent2"/>
+          </a:fillRef>
+          <a:effectRef idx="1">
+            <a:schemeClr val="accent2"/>
+          </a:effectRef>
+          <a:fontRef idx="minor">
+            <a:schemeClr val="dk1"/>
+          </a:fontRef>
+        </p:style>
+        <p:txBody>
+          <a:bodyPr lIns="36000" tIns="36000" rIns="36000" bIns="36000" rtlCol="0" anchor="ctr"/>
+          <a:lstStyle/>
+          <a:p>
+            <a:pPr algn="ctr"/>
+            <a:r>
+              <a:rPr lang="fr-FR" sz="1000" b="1" dirty="0" smtClean="0">
+                <a:solidFill>
+                  <a:sysClr val="windowText" lastClr="000000"/>
+                </a:solidFill>
+              </a:rPr>
+              <a:t>SW 6</a:t>
+            </a:r>
+            <a:endParaRPr lang="fr-FR" sz="1000" b="1" dirty="0">
+              <a:solidFill>
+                <a:sysClr val="windowText" lastClr="000000"/>
+              </a:solidFill>
+            </a:endParaRPr>
+          </a:p>
+        </p:txBody>
+      </p:sp>
+      <p:cxnSp>
+        <p:nvCxnSpPr>
+          <p:cNvPr id="25" name="Connecteur droit avec flèche 24"/>
+          <p:cNvCxnSpPr/>
+          <p:nvPr/>
+        </p:nvCxnSpPr>
+        <p:spPr>
+          <a:xfrm>
+            <a:off x="3552346" y="2002298"/>
+            <a:ext cx="678896" cy="0"/>
+          </a:xfrm>
+          <a:prstGeom prst="straightConnector1">
+            <a:avLst/>
+          </a:prstGeom>
+          <a:ln>
+            <a:prstDash val="dash"/>
+            <a:headEnd w="med" len="lg"/>
+            <a:tailEnd type="stealth" w="sm" len="lg"/>
+          </a:ln>
+        </p:spPr>
+        <p:style>
+          <a:lnRef idx="2">
+            <a:schemeClr val="accent3"/>
+          </a:lnRef>
+          <a:fillRef idx="0">
+            <a:schemeClr val="accent3"/>
+          </a:fillRef>
+          <a:effectRef idx="1">
+            <a:schemeClr val="accent3"/>
+          </a:effectRef>
+          <a:fontRef idx="minor">
+            <a:schemeClr val="tx1"/>
+          </a:fontRef>
+        </p:style>
+      </p:cxnSp>
+      <p:sp>
+        <p:nvSpPr>
+          <p:cNvPr id="26" name="Rectangle 25"/>
+          <p:cNvSpPr/>
+          <p:nvPr/>
+        </p:nvSpPr>
+        <p:spPr>
+          <a:xfrm>
+            <a:off x="3120298" y="1894298"/>
+            <a:ext cx="432048" cy="216000"/>
+          </a:xfrm>
+          <a:prstGeom prst="rect">
+            <a:avLst/>
+          </a:prstGeom>
+          <a:ln/>
+        </p:spPr>
+        <p:style>
+          <a:lnRef idx="1">
+            <a:schemeClr val="accent2"/>
+          </a:lnRef>
+          <a:fillRef idx="2">
+            <a:schemeClr val="accent2"/>
+          </a:fillRef>
+          <a:effectRef idx="1">
+            <a:schemeClr val="accent2"/>
+          </a:effectRef>
+          <a:fontRef idx="minor">
+            <a:schemeClr val="dk1"/>
+          </a:fontRef>
+        </p:style>
+        <p:txBody>
+          <a:bodyPr lIns="36000" tIns="36000" rIns="36000" bIns="36000" rtlCol="0" anchor="ctr"/>
+          <a:lstStyle/>
+          <a:p>
+            <a:pPr algn="ctr"/>
+            <a:r>
+              <a:rPr lang="fr-FR" sz="1000" b="1" dirty="0" smtClean="0">
+                <a:solidFill>
+                  <a:sysClr val="windowText" lastClr="000000"/>
+                </a:solidFill>
+              </a:rPr>
+              <a:t>SW 5</a:t>
+            </a:r>
+            <a:endParaRPr lang="fr-FR" sz="1000" b="1" dirty="0">
+              <a:solidFill>
+                <a:sysClr val="windowText" lastClr="000000"/>
+              </a:solidFill>
+            </a:endParaRPr>
+          </a:p>
+        </p:txBody>
+      </p:sp>
+      <p:cxnSp>
+        <p:nvCxnSpPr>
+          <p:cNvPr id="27" name="Connecteur droit avec flèche 26"/>
+          <p:cNvCxnSpPr/>
+          <p:nvPr/>
+        </p:nvCxnSpPr>
+        <p:spPr>
+          <a:xfrm>
+            <a:off x="3561165" y="2290330"/>
+            <a:ext cx="678896" cy="0"/>
+          </a:xfrm>
+          <a:prstGeom prst="straightConnector1">
+            <a:avLst/>
+          </a:prstGeom>
+          <a:ln>
+            <a:prstDash val="dash"/>
+            <a:headEnd w="med" len="lg"/>
+            <a:tailEnd type="stealth" w="sm" len="lg"/>
+          </a:ln>
+        </p:spPr>
+        <p:style>
+          <a:lnRef idx="2">
+            <a:schemeClr val="accent3"/>
+          </a:lnRef>
+          <a:fillRef idx="0">
+            <a:schemeClr val="accent3"/>
+          </a:fillRef>
+          <a:effectRef idx="1">
+            <a:schemeClr val="accent3"/>
+          </a:effectRef>
+          <a:fontRef idx="minor">
+            <a:schemeClr val="tx1"/>
+          </a:fontRef>
+        </p:style>
+      </p:cxnSp>
+      <p:sp>
+        <p:nvSpPr>
+          <p:cNvPr id="28" name="Rectangle 27"/>
+          <p:cNvSpPr/>
+          <p:nvPr/>
+        </p:nvSpPr>
+        <p:spPr>
+          <a:xfrm>
+            <a:off x="3129117" y="2182330"/>
+            <a:ext cx="432048" cy="216000"/>
+          </a:xfrm>
+          <a:prstGeom prst="rect">
+            <a:avLst/>
+          </a:prstGeom>
+          <a:ln/>
+        </p:spPr>
+        <p:style>
+          <a:lnRef idx="1">
+            <a:schemeClr val="accent2"/>
+          </a:lnRef>
+          <a:fillRef idx="2">
+            <a:schemeClr val="accent2"/>
+          </a:fillRef>
+          <a:effectRef idx="1">
+            <a:schemeClr val="accent2"/>
+          </a:effectRef>
+          <a:fontRef idx="minor">
+            <a:schemeClr val="dk1"/>
+          </a:fontRef>
+        </p:style>
+        <p:txBody>
+          <a:bodyPr lIns="36000" tIns="36000" rIns="36000" bIns="36000" rtlCol="0" anchor="ctr"/>
+          <a:lstStyle/>
+          <a:p>
+            <a:pPr algn="ctr"/>
+            <a:r>
+              <a:rPr lang="fr-FR" sz="1000" b="1" dirty="0" smtClean="0">
+                <a:solidFill>
+                  <a:sysClr val="windowText" lastClr="000000"/>
+                </a:solidFill>
+              </a:rPr>
+              <a:t>SW 8</a:t>
+            </a:r>
+            <a:endParaRPr lang="fr-FR" sz="1000" b="1" dirty="0">
+              <a:solidFill>
+                <a:sysClr val="windowText" lastClr="000000"/>
+              </a:solidFill>
+            </a:endParaRPr>
+          </a:p>
+        </p:txBody>
+      </p:sp>
+      <p:cxnSp>
+        <p:nvCxnSpPr>
+          <p:cNvPr id="29" name="Connecteur droit avec flèche 28"/>
+          <p:cNvCxnSpPr/>
+          <p:nvPr/>
+        </p:nvCxnSpPr>
+        <p:spPr>
+          <a:xfrm>
+            <a:off x="3563888" y="2580448"/>
+            <a:ext cx="678896" cy="0"/>
+          </a:xfrm>
+          <a:prstGeom prst="straightConnector1">
+            <a:avLst/>
+          </a:prstGeom>
+          <a:ln>
+            <a:prstDash val="dash"/>
+            <a:headEnd w="med" len="lg"/>
+            <a:tailEnd type="stealth" w="sm" len="lg"/>
+          </a:ln>
+        </p:spPr>
+        <p:style>
+          <a:lnRef idx="2">
+            <a:schemeClr val="accent3"/>
+          </a:lnRef>
+          <a:fillRef idx="0">
+            <a:schemeClr val="accent3"/>
+          </a:fillRef>
+          <a:effectRef idx="1">
+            <a:schemeClr val="accent3"/>
+          </a:effectRef>
+          <a:fontRef idx="minor">
+            <a:schemeClr val="tx1"/>
+          </a:fontRef>
+        </p:style>
+      </p:cxnSp>
+      <p:sp>
+        <p:nvSpPr>
+          <p:cNvPr id="30" name="Rectangle 29"/>
+          <p:cNvSpPr/>
+          <p:nvPr/>
+        </p:nvSpPr>
+        <p:spPr>
+          <a:xfrm>
+            <a:off x="3131840" y="2472448"/>
+            <a:ext cx="432048" cy="216000"/>
+          </a:xfrm>
+          <a:prstGeom prst="rect">
+            <a:avLst/>
+          </a:prstGeom>
+          <a:ln/>
+        </p:spPr>
+        <p:style>
+          <a:lnRef idx="1">
+            <a:schemeClr val="accent2"/>
+          </a:lnRef>
+          <a:fillRef idx="2">
+            <a:schemeClr val="accent2"/>
+          </a:fillRef>
+          <a:effectRef idx="1">
+            <a:schemeClr val="accent2"/>
+          </a:effectRef>
+          <a:fontRef idx="minor">
+            <a:schemeClr val="dk1"/>
+          </a:fontRef>
+        </p:style>
+        <p:txBody>
+          <a:bodyPr lIns="36000" tIns="36000" rIns="36000" bIns="36000" rtlCol="0" anchor="ctr"/>
+          <a:lstStyle/>
+          <a:p>
+            <a:pPr algn="ctr"/>
+            <a:r>
+              <a:rPr lang="fr-FR" sz="1000" b="1" dirty="0" smtClean="0">
+                <a:solidFill>
+                  <a:sysClr val="windowText" lastClr="000000"/>
+                </a:solidFill>
+              </a:rPr>
+              <a:t>SW 7</a:t>
+            </a:r>
+            <a:endParaRPr lang="fr-FR" sz="1000" b="1" dirty="0">
+              <a:solidFill>
+                <a:sysClr val="windowText" lastClr="000000"/>
+              </a:solidFill>
+            </a:endParaRPr>
+          </a:p>
+        </p:txBody>
+      </p:sp>
+    </p:spTree>
+    <p:extLst>
+      <p:ext uri="{BB962C8B-B14F-4D97-AF65-F5344CB8AC3E}">
+        <p14:creationId xmlns:p14="http://schemas.microsoft.com/office/powerpoint/2010/main" val="140309657"/>
+      </p:ext>
+    </p:extLst>
+  </p:cSld>
+  <p:clrMapOvr>
+    <a:masterClrMapping/>
+  </p:clrMapOvr>
+</p:sld>
+</file>
+
+<file path=ppt/slides/slide7.xml><?xml version="1.0" encoding="utf-8"?>
+<p:sld xmlns:a="http://schemas.openxmlformats.org/drawingml/2006/main" xmlns:r="http://schemas.openxmlformats.org/officeDocument/2006/relationships" xmlns:p="http://schemas.openxmlformats.org/presentationml/2006/main">
+  <p:cSld>
+    <p:spTree>
+      <p:nvGrpSpPr>
+        <p:cNvPr id="1" name=""/>
+        <p:cNvGrpSpPr/>
+        <p:nvPr/>
+      </p:nvGrpSpPr>
+      <p:grpSpPr>
+        <a:xfrm>
+          <a:off x="0" y="0"/>
+          <a:ext cx="0" cy="0"/>
+          <a:chOff x="0" y="0"/>
+          <a:chExt cx="0" cy="0"/>
+        </a:xfrm>
+      </p:grpSpPr>
+      <p:sp>
+        <p:nvSpPr>
           <p:cNvPr id="4" name="Rectangle 3"/>
           <p:cNvSpPr/>
           <p:nvPr/>
@@ -8897,7 +9155,7 @@
 </p:sld>
 </file>
 
-<file path=ppt/slides/slide7.xml><?xml version="1.0" encoding="utf-8"?>
+<file path=ppt/slides/slide8.xml><?xml version="1.0" encoding="utf-8"?>
 <p:sld xmlns:a="http://schemas.openxmlformats.org/drawingml/2006/main" xmlns:r="http://schemas.openxmlformats.org/officeDocument/2006/relationships" xmlns:p="http://schemas.openxmlformats.org/presentationml/2006/main">
   <p:cSld>
     <p:spTree>
